--- a/topic06/talk-2/ReactJS_03.pptx
+++ b/topic06/talk-2/ReactJS_03.pptx
@@ -303,7 +303,7 @@
               <a:pPr>
                 <a:defRPr/>
               </a:pPr>
-              <a:t>3/10/2024</a:t>
+              <a:t>3/11/2024</a:t>
             </a:fld>
             <a:endParaRPr lang="en-US" altLang="en-US"/>
           </a:p>
@@ -405,6 +405,11 @@
         </p:txBody>
       </p:sp>
     </p:spTree>
+    <p:extLst>
+      <p:ext uri="{BB962C8B-B14F-4D97-AF65-F5344CB8AC3E}">
+        <p14:creationId xmlns:p14="http://schemas.microsoft.com/office/powerpoint/2010/main" val="1"/>
+      </p:ext>
+    </p:extLst>
   </p:cSld>
   <p:clrMap bg1="lt1" tx1="dk1" bg2="lt2" tx2="dk2" accent1="accent1" accent2="accent2" accent3="accent3" accent4="accent4" accent5="accent5" accent6="accent6" hlink="hlink" folHlink="folHlink"/>
   <p:hf hdr="0" ftr="0" dt="0"/>
@@ -558,7 +563,7 @@
             </a:extLst>
           </p:cNvPr>
           <p:cNvSpPr>
-            <a:spLocks noRot="1" noChangeArrowheads="1" noTextEdit="1"/>
+            <a:spLocks noGrp="1" noRot="1" noChangeAspect="1" noChangeArrowheads="1" noTextEdit="1"/>
           </p:cNvSpPr>
           <p:nvPr>
             <p:ph type="sldImg" idx="2"/>
@@ -1195,6 +1200,138 @@
 </file>
 
 <file path=ppt/notesSlides/notesSlide2.xml><?xml version="1.0" encoding="utf-8"?>
+<p:notes xmlns:a="http://schemas.openxmlformats.org/drawingml/2006/main" xmlns:r="http://schemas.openxmlformats.org/officeDocument/2006/relationships" xmlns:p="http://schemas.openxmlformats.org/presentationml/2006/main">
+  <p:cSld>
+    <p:spTree>
+      <p:nvGrpSpPr>
+        <p:cNvPr id="1" name=""/>
+        <p:cNvGrpSpPr/>
+        <p:nvPr/>
+      </p:nvGrpSpPr>
+      <p:grpSpPr>
+        <a:xfrm>
+          <a:off x="0" y="0"/>
+          <a:ext cx="0" cy="0"/>
+          <a:chOff x="0" y="0"/>
+          <a:chExt cx="0" cy="0"/>
+        </a:xfrm>
+      </p:grpSpPr>
+      <p:sp>
+        <p:nvSpPr>
+          <p:cNvPr id="2" name="Slide Image Placeholder 1"/>
+          <p:cNvSpPr>
+            <a:spLocks noGrp="1" noRot="1" noChangeAspect="1"/>
+          </p:cNvSpPr>
+          <p:nvPr>
+            <p:ph type="sldImg"/>
+          </p:nvPr>
+        </p:nvSpPr>
+        <p:spPr/>
+      </p:sp>
+      <p:sp>
+        <p:nvSpPr>
+          <p:cNvPr id="3" name="Notes Placeholder 2"/>
+          <p:cNvSpPr>
+            <a:spLocks noGrp="1"/>
+          </p:cNvSpPr>
+          <p:nvPr>
+            <p:ph type="body" idx="1"/>
+          </p:nvPr>
+        </p:nvSpPr>
+        <p:spPr/>
+        <p:txBody>
+          <a:bodyPr/>
+          <a:lstStyle/>
+          <a:p>
+            <a:r>
+              <a:rPr lang="en-GB" b="0" i="0" dirty="0">
+                <a:solidFill>
+                  <a:srgbClr val="CCCCCC"/>
+                </a:solidFill>
+                <a:effectLst/>
+                <a:latin typeface="Segoe WPC"/>
+              </a:rPr>
+              <a:t>The </a:t>
+            </a:r>
+            <a:r>
+              <a:rPr lang="en-GB" b="0" i="0" u="none" strike="noStrike" dirty="0">
+                <a:effectLst/>
+                <a:latin typeface="Segoe WPC"/>
+                <a:hlinkClick r:id="rId3" tooltip="node_modules/react-router/dist/lib/components.d.ts"/>
+              </a:rPr>
+              <a:t>replace</a:t>
+            </a:r>
+            <a:r>
+              <a:rPr lang="en-GB" b="0" i="0" dirty="0">
+                <a:solidFill>
+                  <a:srgbClr val="CCCCCC"/>
+                </a:solidFill>
+                <a:effectLst/>
+                <a:latin typeface="Segoe WPC"/>
+              </a:rPr>
+              <a:t> prop, when set to </a:t>
+            </a:r>
+            <a:r>
+              <a:rPr lang="en-GB" dirty="0"/>
+              <a:t>true</a:t>
+            </a:r>
+            <a:r>
+              <a:rPr lang="en-GB" b="0" i="0" dirty="0">
+                <a:solidFill>
+                  <a:srgbClr val="CCCCCC"/>
+                </a:solidFill>
+                <a:effectLst/>
+                <a:latin typeface="Segoe WPC"/>
+              </a:rPr>
+              <a:t>, means that navigating to this new route will replace the current entry in the history stack instead of adding a new one. This means that if the user clicks the browser's back button, they won't go back to the previous route before the redirection.</a:t>
+            </a:r>
+            <a:endParaRPr lang="en-IE" dirty="0"/>
+          </a:p>
+        </p:txBody>
+      </p:sp>
+      <p:sp>
+        <p:nvSpPr>
+          <p:cNvPr id="4" name="Slide Number Placeholder 3"/>
+          <p:cNvSpPr>
+            <a:spLocks noGrp="1"/>
+          </p:cNvSpPr>
+          <p:nvPr>
+            <p:ph type="sldNum" sz="quarter" idx="5"/>
+          </p:nvPr>
+        </p:nvSpPr>
+        <p:spPr/>
+        <p:txBody>
+          <a:bodyPr/>
+          <a:lstStyle/>
+          <a:p>
+            <a:pPr>
+              <a:defRPr/>
+            </a:pPr>
+            <a:fld id="{308E6255-BF74-4073-A817-F724FBC73302}" type="slidenum">
+              <a:rPr lang="en-US" altLang="en-US" smtClean="0"/>
+              <a:pPr>
+                <a:defRPr/>
+              </a:pPr>
+              <a:t>4</a:t>
+            </a:fld>
+            <a:endParaRPr lang="en-US" altLang="en-US"/>
+          </a:p>
+        </p:txBody>
+      </p:sp>
+    </p:spTree>
+    <p:extLst>
+      <p:ext uri="{BB962C8B-B14F-4D97-AF65-F5344CB8AC3E}">
+        <p14:creationId xmlns:p14="http://schemas.microsoft.com/office/powerpoint/2010/main" val="2769605327"/>
+      </p:ext>
+    </p:extLst>
+  </p:cSld>
+  <p:clrMapOvr>
+    <a:masterClrMapping/>
+  </p:clrMapOvr>
+</p:notes>
+</file>
+
+<file path=ppt/notesSlides/notesSlide3.xml><?xml version="1.0" encoding="utf-8"?>
 <p:notes xmlns:a="http://schemas.openxmlformats.org/drawingml/2006/main" xmlns:r="http://schemas.openxmlformats.org/officeDocument/2006/relationships" xmlns:p="http://schemas.openxmlformats.org/presentationml/2006/main">
   <p:cSld>
     <p:spTree>
@@ -7915,29 +8052,6 @@
                 <a:ea typeface="ＭＳ Ｐゴシック" panose="020B0600070205080204" pitchFamily="34" charset="-128"/>
               </a:rPr>
               <a:t>Deep linking.</a:t>
-            </a:r>
-          </a:p>
-          <a:p>
-            <a:pPr lvl="1">
-              <a:defRPr/>
-            </a:pPr>
-            <a:r>
-              <a:rPr lang="en-US" altLang="en-US" sz="2000" b="1" dirty="0">
-                <a:ea typeface="ＭＳ Ｐゴシック" panose="020B0600070205080204" pitchFamily="34" charset="-128"/>
-              </a:rPr>
-              <a:t>1</a:t>
-            </a:r>
-            <a:r>
-              <a:rPr lang="en-US" altLang="en-US" sz="2000" b="1" baseline="30000" dirty="0">
-                <a:ea typeface="ＭＳ Ｐゴシック" panose="020B0600070205080204" pitchFamily="34" charset="-128"/>
-              </a:rPr>
-              <a:t>st</a:t>
-            </a:r>
-            <a:r>
-              <a:rPr lang="en-US" altLang="en-US" sz="2000" b="1" dirty="0">
-                <a:ea typeface="ＭＳ Ｐゴシック" panose="020B0600070205080204" pitchFamily="34" charset="-128"/>
-              </a:rPr>
-              <a:t> generation client rendering apps violated these principles.</a:t>
             </a:r>
           </a:p>
           <a:p>
@@ -11745,7 +11859,7 @@
           <p:nvPr/>
         </p:nvPicPr>
         <p:blipFill>
-          <a:blip r:embed="rId2"/>
+          <a:blip r:embed="rId3"/>
           <a:stretch>
             <a:fillRect/>
           </a:stretch>
@@ -12957,10 +13071,16 @@
               <a:defRPr/>
             </a:pPr>
             <a:r>
+              <a:rPr lang="en-US" altLang="en-US" sz="2000" b="1" dirty="0" err="1">
+                <a:ea typeface="ＭＳ Ｐゴシック" panose="020B0600070205080204" pitchFamily="34" charset="-128"/>
+              </a:rPr>
+              <a:t>Parameterised</a:t>
+            </a:r>
+            <a:r>
               <a:rPr lang="en-US" altLang="en-US" sz="2000" b="1" dirty="0">
                 <a:ea typeface="ＭＳ Ｐゴシック" panose="020B0600070205080204" pitchFamily="34" charset="-128"/>
               </a:rPr>
-              <a:t>Parameterized URLs, e.g. /users/</a:t>
+              <a:t> URLs, e.g. /users/</a:t>
             </a:r>
             <a:r>
               <a:rPr lang="en-US" altLang="en-US" sz="2000" b="1" i="1" dirty="0">
@@ -12995,7 +13115,19 @@
               <a:rPr lang="en-US" altLang="en-US" sz="2000" b="1" dirty="0">
                 <a:ea typeface="ＭＳ Ｐゴシック" panose="020B0600070205080204" pitchFamily="34" charset="-128"/>
               </a:rPr>
-              <a:t>How to declare a parameterized path in the routing configuration?</a:t>
+              <a:t>How to declare a </a:t>
+            </a:r>
+            <a:r>
+              <a:rPr lang="en-US" altLang="en-US" sz="2000" b="1" dirty="0" err="1">
+                <a:ea typeface="ＭＳ Ｐゴシック" panose="020B0600070205080204" pitchFamily="34" charset="-128"/>
+              </a:rPr>
+              <a:t>parameterised</a:t>
+            </a:r>
+            <a:r>
+              <a:rPr lang="en-US" altLang="en-US" sz="2000" b="1" dirty="0">
+                <a:ea typeface="ＭＳ Ｐゴシック" panose="020B0600070205080204" pitchFamily="34" charset="-128"/>
+              </a:rPr>
+              <a:t> path in the routing configuration?</a:t>
             </a:r>
           </a:p>
           <a:p>
@@ -15646,10 +15778,10 @@
       </p:sp>
       <p:pic>
         <p:nvPicPr>
-          <p:cNvPr id="3" name="Picture 2">
+          <p:cNvPr id="4" name="Picture 3">
             <a:extLst>
               <a:ext uri="{FF2B5EF4-FFF2-40B4-BE49-F238E27FC236}">
-                <a16:creationId xmlns:a16="http://schemas.microsoft.com/office/drawing/2014/main" id="{E33651BF-721C-2010-D18C-1C0159B71E28}"/>
+                <a16:creationId xmlns:a16="http://schemas.microsoft.com/office/drawing/2014/main" id="{C621798F-6652-0227-243F-88A6200CA439}"/>
               </a:ext>
             </a:extLst>
           </p:cNvPr>
@@ -15666,8 +15798,8 @@
         </p:blipFill>
         <p:spPr>
           <a:xfrm>
-            <a:off x="2362200" y="1153501"/>
-            <a:ext cx="6841210" cy="3113699"/>
+            <a:off x="2705593" y="1219200"/>
+            <a:ext cx="6038185" cy="3140076"/>
           </a:xfrm>
           <a:prstGeom prst="rect">
             <a:avLst/>

--- a/topic06/talk-2/ReactJS_03.pptx
+++ b/topic06/talk-2/ReactJS_03.pptx
@@ -303,7 +303,7 @@
               <a:pPr>
                 <a:defRPr/>
               </a:pPr>
-              <a:t>3/11/2024</a:t>
+              <a:t>6/5/2024</a:t>
             </a:fld>
             <a:endParaRPr lang="en-US" altLang="en-US"/>
           </a:p>
@@ -1244,47 +1244,65 @@
           <a:lstStyle/>
           <a:p>
             <a:r>
-              <a:rPr lang="en-GB" b="0" i="0" dirty="0">
-                <a:solidFill>
-                  <a:srgbClr val="CCCCCC"/>
-                </a:solidFill>
-                <a:effectLst/>
-                <a:latin typeface="Segoe WPC"/>
+              <a:rPr lang="en-US" altLang="en-US" sz="1200" b="1" dirty="0">
+                <a:ea typeface="ＭＳ Ｐゴシック" panose="020B0600070205080204" pitchFamily="34" charset="-128"/>
               </a:rPr>
-              <a:t>The </a:t>
-            </a:r>
-            <a:r>
-              <a:rPr lang="en-GB" b="0" i="0" u="none" strike="noStrike" dirty="0">
-                <a:effectLst/>
-                <a:latin typeface="Segoe WPC"/>
-                <a:hlinkClick r:id="rId3" tooltip="node_modules/react-router/dist/lib/components.d.ts"/>
-              </a:rPr>
-              <a:t>replace</a:t>
-            </a:r>
-            <a:r>
-              <a:rPr lang="en-GB" b="0" i="0" dirty="0">
-                <a:solidFill>
-                  <a:srgbClr val="CCCCCC"/>
-                </a:solidFill>
-                <a:effectLst/>
-                <a:latin typeface="Segoe WPC"/>
-              </a:rPr>
-              <a:t> prop, when set to </a:t>
+              <a:t>multiple views @:</a:t>
             </a:r>
             <a:r>
               <a:rPr lang="en-GB" dirty="0"/>
-              <a:t>true</a:t>
-            </a:r>
-            <a:r>
-              <a:rPr lang="en-GB" b="0" i="0" dirty="0">
-                <a:solidFill>
-                  <a:srgbClr val="CCCCCC"/>
-                </a:solidFill>
-                <a:effectLst/>
-                <a:latin typeface="Segoe WPC"/>
-              </a:rPr>
-              <a:t>, means that navigating to this new route will replace the current entry in the history stack instead of adding a new one. This means that if the user clicks the browser's back button, they won't go back to the previous route before the redirection.</a:t>
-            </a:r>
+              <a:t>This means that the application can display different views (or components) based on user interactions or navigation. In the context of React, these views are typically components that are rendered conditionally.</a:t>
+            </a:r>
+          </a:p>
+          <a:p>
+            <a:r>
+              <a:rPr lang="en-GB" dirty="0"/>
+              <a:t>there is only one HTML file (index.html). The application dynamically updates this page as the user interacts with it, rather than loading new pages from the server. </a:t>
+            </a:r>
+          </a:p>
+          <a:p>
+            <a:r>
+              <a:rPr lang="en-GB" dirty="0"/>
+              <a:t>the browser can still reflect the current state/page of the application. This is crucial for usability and bookmarking. if a user navigates to /profile within the app, the URL changes to yourapp.com/profile, and the corresponding view is displayed.</a:t>
+            </a:r>
+          </a:p>
+          <a:p>
+            <a:r>
+              <a:rPr lang="en-GB" b="1" dirty="0"/>
+              <a:t>Addressability</a:t>
+            </a:r>
+          </a:p>
+          <a:p>
+            <a:r>
+              <a:rPr lang="en-GB" dirty="0"/>
+              <a:t>Each state or view in the application has a unique URL, making it possible to bookmark and share specific parts of the app.</a:t>
+            </a:r>
+          </a:p>
+          <a:p>
+            <a:r>
+              <a:rPr lang="en-GB" b="1" dirty="0"/>
+              <a:t>Information sharing</a:t>
+            </a:r>
+          </a:p>
+          <a:p>
+            <a:r>
+              <a:rPr lang="en-GB" dirty="0"/>
+              <a:t>Since each view can have its own URL, users can share links to specific parts of the app, facilitating easier information sharing.</a:t>
+            </a:r>
+          </a:p>
+          <a:p>
+            <a:r>
+              <a:rPr lang="en-GB" b="1" dirty="0"/>
+              <a:t>Deep linking</a:t>
+            </a:r>
+          </a:p>
+          <a:p>
+            <a:r>
+              <a:rPr lang="en-GB" dirty="0"/>
+              <a:t>Deep linking refers to the ability to link directly to a specific piece of content or a specific state within the app, bypassing the need to navigate from the homepage.</a:t>
+            </a:r>
+          </a:p>
+          <a:p>
             <a:endParaRPr lang="en-IE" dirty="0"/>
           </a:p>
         </p:txBody>
@@ -1312,6 +1330,138 @@
               <a:pPr>
                 <a:defRPr/>
               </a:pPr>
+              <a:t>2</a:t>
+            </a:fld>
+            <a:endParaRPr lang="en-US" altLang="en-US"/>
+          </a:p>
+        </p:txBody>
+      </p:sp>
+    </p:spTree>
+    <p:extLst>
+      <p:ext uri="{BB962C8B-B14F-4D97-AF65-F5344CB8AC3E}">
+        <p14:creationId xmlns:p14="http://schemas.microsoft.com/office/powerpoint/2010/main" val="2276774777"/>
+      </p:ext>
+    </p:extLst>
+  </p:cSld>
+  <p:clrMapOvr>
+    <a:masterClrMapping/>
+  </p:clrMapOvr>
+</p:notes>
+</file>
+
+<file path=ppt/notesSlides/notesSlide3.xml><?xml version="1.0" encoding="utf-8"?>
+<p:notes xmlns:a="http://schemas.openxmlformats.org/drawingml/2006/main" xmlns:r="http://schemas.openxmlformats.org/officeDocument/2006/relationships" xmlns:p="http://schemas.openxmlformats.org/presentationml/2006/main">
+  <p:cSld>
+    <p:spTree>
+      <p:nvGrpSpPr>
+        <p:cNvPr id="1" name=""/>
+        <p:cNvGrpSpPr/>
+        <p:nvPr/>
+      </p:nvGrpSpPr>
+      <p:grpSpPr>
+        <a:xfrm>
+          <a:off x="0" y="0"/>
+          <a:ext cx="0" cy="0"/>
+          <a:chOff x="0" y="0"/>
+          <a:chExt cx="0" cy="0"/>
+        </a:xfrm>
+      </p:grpSpPr>
+      <p:sp>
+        <p:nvSpPr>
+          <p:cNvPr id="2" name="Slide Image Placeholder 1"/>
+          <p:cNvSpPr>
+            <a:spLocks noGrp="1" noRot="1" noChangeAspect="1"/>
+          </p:cNvSpPr>
+          <p:nvPr>
+            <p:ph type="sldImg"/>
+          </p:nvPr>
+        </p:nvSpPr>
+        <p:spPr/>
+      </p:sp>
+      <p:sp>
+        <p:nvSpPr>
+          <p:cNvPr id="3" name="Notes Placeholder 2"/>
+          <p:cNvSpPr>
+            <a:spLocks noGrp="1"/>
+          </p:cNvSpPr>
+          <p:nvPr>
+            <p:ph type="body" idx="1"/>
+          </p:nvPr>
+        </p:nvSpPr>
+        <p:spPr/>
+        <p:txBody>
+          <a:bodyPr/>
+          <a:lstStyle/>
+          <a:p>
+            <a:r>
+              <a:rPr lang="en-GB" b="0" i="0" dirty="0">
+                <a:solidFill>
+                  <a:srgbClr val="CCCCCC"/>
+                </a:solidFill>
+                <a:effectLst/>
+                <a:latin typeface="Segoe WPC"/>
+              </a:rPr>
+              <a:t>The </a:t>
+            </a:r>
+            <a:r>
+              <a:rPr lang="en-GB" b="0" i="0" u="none" strike="noStrike" dirty="0">
+                <a:effectLst/>
+                <a:latin typeface="Segoe WPC"/>
+                <a:hlinkClick r:id="rId3" tooltip="node_modules/react-router/dist/lib/components.d.ts"/>
+              </a:rPr>
+              <a:t>replace</a:t>
+            </a:r>
+            <a:r>
+              <a:rPr lang="en-GB" b="0" i="0" dirty="0">
+                <a:solidFill>
+                  <a:srgbClr val="CCCCCC"/>
+                </a:solidFill>
+                <a:effectLst/>
+                <a:latin typeface="Segoe WPC"/>
+              </a:rPr>
+              <a:t> prop, when set to </a:t>
+            </a:r>
+            <a:r>
+              <a:rPr lang="en-GB" dirty="0"/>
+              <a:t>true</a:t>
+            </a:r>
+            <a:r>
+              <a:rPr lang="en-GB" b="0" i="0" dirty="0">
+                <a:solidFill>
+                  <a:srgbClr val="CCCCCC"/>
+                </a:solidFill>
+                <a:effectLst/>
+                <a:latin typeface="Segoe WPC"/>
+              </a:rPr>
+              <a:t>, means that navigating to this new route will replace the current entry in the history stack instead of adding a new one. This means that if the user clicks the browser's back button, they won't go back to the previous route before the redirection.</a:t>
+            </a:r>
+            <a:endParaRPr lang="en-IE" dirty="0"/>
+          </a:p>
+        </p:txBody>
+      </p:sp>
+      <p:sp>
+        <p:nvSpPr>
+          <p:cNvPr id="4" name="Slide Number Placeholder 3"/>
+          <p:cNvSpPr>
+            <a:spLocks noGrp="1"/>
+          </p:cNvSpPr>
+          <p:nvPr>
+            <p:ph type="sldNum" sz="quarter" idx="5"/>
+          </p:nvPr>
+        </p:nvSpPr>
+        <p:spPr/>
+        <p:txBody>
+          <a:bodyPr/>
+          <a:lstStyle/>
+          <a:p>
+            <a:pPr>
+              <a:defRPr/>
+            </a:pPr>
+            <a:fld id="{308E6255-BF74-4073-A817-F724FBC73302}" type="slidenum">
+              <a:rPr lang="en-US" altLang="en-US" smtClean="0"/>
+              <a:pPr>
+                <a:defRPr/>
+              </a:pPr>
               <a:t>4</a:t>
             </a:fld>
             <a:endParaRPr lang="en-US" altLang="en-US"/>
@@ -1331,7 +1481,7 @@
 </p:notes>
 </file>
 
-<file path=ppt/notesSlides/notesSlide3.xml><?xml version="1.0" encoding="utf-8"?>
+<file path=ppt/notesSlides/notesSlide4.xml><?xml version="1.0" encoding="utf-8"?>
 <p:notes xmlns:a="http://schemas.openxmlformats.org/drawingml/2006/main" xmlns:r="http://schemas.openxmlformats.org/officeDocument/2006/relationships" xmlns:p="http://schemas.openxmlformats.org/presentationml/2006/main">
   <p:cSld>
     <p:spTree>
@@ -1415,7 +1565,15 @@
           <a:bodyPr/>
           <a:lstStyle/>
           <a:p>
-            <a:endParaRPr lang="en-US" altLang="en-US">
+            <a:r>
+              <a:rPr lang="en-GB" dirty="0" err="1"/>
+              <a:t>efers</a:t>
+            </a:r>
+            <a:r>
+              <a:rPr lang="en-GB" dirty="0"/>
+              <a:t> to a URL segment that can change based on the data or user input. </a:t>
+            </a:r>
+            <a:endParaRPr lang="en-US" altLang="en-US" dirty="0">
               <a:latin typeface="Arial" panose="020B0604020202020204" pitchFamily="34" charset="0"/>
               <a:ea typeface="ＭＳ Ｐゴシック" panose="020B0600070205080204" pitchFamily="34" charset="-128"/>
             </a:endParaRPr>
@@ -8938,19 +9096,7 @@
               <a:rPr lang="en-US" altLang="en-US" sz="2000" b="1" dirty="0">
                 <a:ea typeface="ＭＳ Ｐゴシック" panose="020B0600070205080204" pitchFamily="34" charset="-128"/>
               </a:rPr>
-              <a:t>Route’s</a:t>
-            </a:r>
-            <a:r>
-              <a:rPr lang="en-US" altLang="en-US" sz="2000" dirty="0">
-                <a:ea typeface="ＭＳ Ｐゴシック" panose="020B0600070205080204" pitchFamily="34" charset="-128"/>
-              </a:rPr>
-              <a:t>&gt;</a:t>
-            </a:r>
-            <a:r>
-              <a:rPr lang="en-US" altLang="en-US" sz="2000" b="1" dirty="0">
-                <a:ea typeface="ＭＳ Ｐゴシック" panose="020B0600070205080204" pitchFamily="34" charset="-128"/>
-              </a:rPr>
-              <a:t> </a:t>
+              <a:t>Route’s </a:t>
             </a:r>
             <a:r>
               <a:rPr lang="en-US" altLang="en-US" sz="2000" u="sng" dirty="0">
@@ -14267,7 +14413,7 @@
           <a:lstStyle/>
           <a:p>
             <a:r>
-              <a:rPr lang="en-US" altLang="en-US" sz="3200">
+              <a:rPr lang="en-US" altLang="en-US" sz="3200" dirty="0">
                 <a:ea typeface="ＭＳ Ｐゴシック" panose="020B0600070205080204" pitchFamily="34" charset="-128"/>
               </a:rPr>
               <a:t>Dynamic segments.</a:t>
